--- a/ppt/compare.pptx
+++ b/ppt/compare.pptx
@@ -17,6 +17,7 @@
     <p:sldId id="267" r:id="rId11"/>
     <p:sldId id="268" r:id="rId12"/>
     <p:sldId id="257" r:id="rId13"/>
+    <p:sldId id="269" r:id="rId14"/>
   </p:sldIdLst>
   <p:sldSz cx="12192000" cy="6858000"/>
   <p:notesSz cx="6858000" cy="9144000"/>
@@ -3355,7 +3356,7 @@
         </p:nvSpPr>
         <p:spPr>
           <a:xfrm>
-            <a:off x="2662516" y="772739"/>
+            <a:off x="2868704" y="2135374"/>
             <a:ext cx="6589061" cy="2387600"/>
           </a:xfrm>
         </p:spPr>
@@ -3404,159 +3405,6 @@
               <a:t> </a:t>
             </a:r>
             <a:endParaRPr lang="ko-KR" altLang="en-US" dirty="0"/>
-          </a:p>
-        </p:txBody>
-      </p:sp>
-      <p:sp>
-        <p:nvSpPr>
-          <p:cNvPr id="3" name="TextBox 2">
-            <a:extLst>
-              <a:ext uri="{FF2B5EF4-FFF2-40B4-BE49-F238E27FC236}">
-                <a16:creationId xmlns:a16="http://schemas.microsoft.com/office/drawing/2014/main" id="{0BE02DBA-733D-4DA8-9A2B-D9B1E51133FC}"/>
-              </a:ext>
-            </a:extLst>
-          </p:cNvPr>
-          <p:cNvSpPr txBox="1"/>
-          <p:nvPr/>
-        </p:nvSpPr>
-        <p:spPr>
-          <a:xfrm>
-            <a:off x="7476566" y="3765177"/>
-            <a:ext cx="3809999" cy="2862322"/>
-          </a:xfrm>
-          <a:prstGeom prst="rect">
-            <a:avLst/>
-          </a:prstGeom>
-          <a:noFill/>
-        </p:spPr>
-        <p:txBody>
-          <a:bodyPr wrap="square" rtlCol="0">
-            <a:spAutoFit/>
-          </a:bodyPr>
-          <a:lstStyle/>
-          <a:p>
-            <a:r>
-              <a:rPr lang="en-US" altLang="ko-KR" dirty="0"/>
-              <a:t>4</a:t>
-            </a:r>
-            <a:r>
-              <a:rPr lang="ko-KR" altLang="en-US" dirty="0"/>
-              <a:t>개 말고 다른 거</a:t>
-            </a:r>
-            <a:r>
-              <a:rPr lang="en-US" altLang="ko-KR" dirty="0"/>
-              <a:t>(</a:t>
-            </a:r>
-            <a:r>
-              <a:rPr lang="ko-KR" altLang="en-US" dirty="0"/>
-              <a:t>거래량 </a:t>
-            </a:r>
-            <a:r>
-              <a:rPr lang="en-US" altLang="ko-KR" dirty="0"/>
-              <a:t>…)</a:t>
-            </a:r>
-            <a:r>
-              <a:rPr lang="ko-KR" altLang="en-US" dirty="0"/>
-              <a:t> 추가</a:t>
-            </a:r>
-            <a:endParaRPr lang="en-US" altLang="ko-KR" dirty="0"/>
-          </a:p>
-          <a:p>
-            <a:endParaRPr lang="en-US" altLang="ko-KR" dirty="0"/>
-          </a:p>
-          <a:p>
-            <a:r>
-              <a:rPr lang="ko-KR" altLang="en-US" dirty="0" err="1"/>
-              <a:t>인자줄여서</a:t>
-            </a:r>
-            <a:r>
-              <a:rPr lang="ko-KR" altLang="en-US" dirty="0"/>
-              <a:t> </a:t>
-            </a:r>
-            <a:r>
-              <a:rPr lang="en-US" altLang="ko-KR" dirty="0"/>
-              <a:t>60</a:t>
-            </a:r>
-            <a:r>
-              <a:rPr lang="ko-KR" altLang="en-US" dirty="0" err="1"/>
-              <a:t>개이하</a:t>
-            </a:r>
-            <a:r>
-              <a:rPr lang="en-US" altLang="ko-KR" dirty="0"/>
-              <a:t>, 32</a:t>
-            </a:r>
-            <a:r>
-              <a:rPr lang="ko-KR" altLang="en-US" dirty="0"/>
-              <a:t>개 </a:t>
-            </a:r>
-            <a:r>
-              <a:rPr lang="en-US" altLang="ko-KR" dirty="0"/>
-              <a:t>16</a:t>
-            </a:r>
-            <a:r>
-              <a:rPr lang="ko-KR" altLang="en-US" dirty="0"/>
-              <a:t>개</a:t>
-            </a:r>
-            <a:r>
-              <a:rPr lang="en-US" altLang="ko-KR" dirty="0"/>
-              <a:t>…</a:t>
-            </a:r>
-          </a:p>
-          <a:p>
-            <a:pPr marL="285750" indent="-285750">
-              <a:buFont typeface="Symbol" panose="05050102010706020507" pitchFamily="18" charset="2"/>
-              <a:buChar char="Þ"/>
-            </a:pPr>
-            <a:r>
-              <a:rPr lang="ko-KR" altLang="en-US" dirty="0"/>
-              <a:t>단순화</a:t>
-            </a:r>
-            <a:endParaRPr lang="en-US" altLang="ko-KR" dirty="0"/>
-          </a:p>
-          <a:p>
-            <a:endParaRPr lang="en-US" altLang="ko-KR" dirty="0"/>
-          </a:p>
-          <a:p>
-            <a:endParaRPr lang="en-US" altLang="ko-KR" dirty="0"/>
-          </a:p>
-          <a:p>
-            <a:r>
-              <a:rPr lang="en-US" altLang="ko-KR" dirty="0"/>
-              <a:t>#</a:t>
-            </a:r>
-            <a:r>
-              <a:rPr lang="ko-KR" altLang="en-US" dirty="0" err="1"/>
-              <a:t>장고파이썬</a:t>
-            </a:r>
-            <a:r>
-              <a:rPr lang="en-US" altLang="ko-KR" dirty="0"/>
-              <a:t>, tr</a:t>
-            </a:r>
-          </a:p>
-          <a:p>
-            <a:r>
-              <a:rPr lang="en-US" altLang="ko-KR" dirty="0"/>
-              <a:t>#</a:t>
-            </a:r>
-            <a:r>
-              <a:rPr lang="ko-KR" altLang="en-US" dirty="0"/>
-              <a:t>라이브러리화 </a:t>
-            </a:r>
-            <a:endParaRPr lang="en-US" altLang="ko-KR" dirty="0"/>
-          </a:p>
-          <a:p>
-            <a:r>
-              <a:rPr lang="ko-KR" altLang="en-US" dirty="0"/>
-              <a:t>가상머신에서 실습</a:t>
-            </a:r>
-            <a:endParaRPr lang="en-US" altLang="ko-KR" dirty="0"/>
-          </a:p>
-          <a:p>
-            <a:r>
-              <a:rPr lang="ko-KR" altLang="en-US" dirty="0" err="1"/>
-              <a:t>마이데이타</a:t>
-            </a:r>
-            <a:endParaRPr lang="en-US" altLang="ko-KR" dirty="0"/>
           </a:p>
         </p:txBody>
       </p:sp>
@@ -4547,6 +4395,222 @@
     <p:extLst>
       <p:ext uri="{BB962C8B-B14F-4D97-AF65-F5344CB8AC3E}">
         <p14:creationId xmlns:p14="http://schemas.microsoft.com/office/powerpoint/2010/main" val="4208908663"/>
+      </p:ext>
+    </p:extLst>
+  </p:cSld>
+  <p:clrMapOvr>
+    <a:masterClrMapping/>
+  </p:clrMapOvr>
+</p:sld>
+</file>
+
+<file path=ppt/slides/slide13.xml><?xml version="1.0" encoding="utf-8"?>
+<p:sld xmlns:a="http://schemas.openxmlformats.org/drawingml/2006/main" xmlns:r="http://schemas.openxmlformats.org/officeDocument/2006/relationships" xmlns:p="http://schemas.openxmlformats.org/presentationml/2006/main">
+  <p:cSld>
+    <p:spTree>
+      <p:nvGrpSpPr>
+        <p:cNvPr id="1" name=""/>
+        <p:cNvGrpSpPr/>
+        <p:nvPr/>
+      </p:nvGrpSpPr>
+      <p:grpSpPr>
+        <a:xfrm>
+          <a:off x="0" y="0"/>
+          <a:ext cx="0" cy="0"/>
+          <a:chOff x="0" y="0"/>
+          <a:chExt cx="0" cy="0"/>
+        </a:xfrm>
+      </p:grpSpPr>
+      <p:sp>
+        <p:nvSpPr>
+          <p:cNvPr id="2" name="제목 1">
+            <a:extLst>
+              <a:ext uri="{FF2B5EF4-FFF2-40B4-BE49-F238E27FC236}">
+                <a16:creationId xmlns:a16="http://schemas.microsoft.com/office/drawing/2014/main" id="{42173101-CA28-4356-B5A8-8E774A2CF519}"/>
+              </a:ext>
+            </a:extLst>
+          </p:cNvPr>
+          <p:cNvSpPr>
+            <a:spLocks noGrp="1"/>
+          </p:cNvSpPr>
+          <p:nvPr>
+            <p:ph type="title"/>
+          </p:nvPr>
+        </p:nvSpPr>
+        <p:spPr/>
+        <p:txBody>
+          <a:bodyPr/>
+          <a:lstStyle/>
+          <a:p>
+            <a:r>
+              <a:rPr lang="en-US" altLang="ko-KR" dirty="0"/>
+              <a:t>NEXT</a:t>
+            </a:r>
+            <a:endParaRPr lang="ko-KR" altLang="en-US" dirty="0"/>
+          </a:p>
+        </p:txBody>
+      </p:sp>
+      <p:sp>
+        <p:nvSpPr>
+          <p:cNvPr id="4" name="내용 개체 틀 3">
+            <a:extLst>
+              <a:ext uri="{FF2B5EF4-FFF2-40B4-BE49-F238E27FC236}">
+                <a16:creationId xmlns:a16="http://schemas.microsoft.com/office/drawing/2014/main" id="{B7514D0C-C11B-4F0F-BC9A-D12251933F26}"/>
+              </a:ext>
+            </a:extLst>
+          </p:cNvPr>
+          <p:cNvSpPr txBox="1">
+            <a:spLocks noGrp="1"/>
+          </p:cNvSpPr>
+          <p:nvPr>
+            <p:ph idx="1"/>
+          </p:nvPr>
+        </p:nvSpPr>
+        <p:spPr>
+          <a:xfrm>
+            <a:off x="838200" y="1825625"/>
+            <a:ext cx="10515600" cy="4608441"/>
+          </a:xfrm>
+          <a:prstGeom prst="rect">
+            <a:avLst/>
+          </a:prstGeom>
+          <a:noFill/>
+        </p:spPr>
+        <p:txBody>
+          <a:bodyPr wrap="square" rtlCol="0">
+            <a:spAutoFit/>
+          </a:bodyPr>
+          <a:lstStyle/>
+          <a:p>
+            <a:r>
+              <a:rPr lang="en-US" altLang="ko-KR" dirty="0"/>
+              <a:t>4</a:t>
+            </a:r>
+            <a:r>
+              <a:rPr lang="ko-KR" altLang="en-US" dirty="0"/>
+              <a:t>개 말고 다른 거</a:t>
+            </a:r>
+            <a:r>
+              <a:rPr lang="en-US" altLang="ko-KR" dirty="0"/>
+              <a:t>(</a:t>
+            </a:r>
+            <a:r>
+              <a:rPr lang="ko-KR" altLang="en-US" dirty="0"/>
+              <a:t>거래량 </a:t>
+            </a:r>
+            <a:r>
+              <a:rPr lang="en-US" altLang="ko-KR" dirty="0"/>
+              <a:t>…)</a:t>
+            </a:r>
+            <a:r>
+              <a:rPr lang="ko-KR" altLang="en-US" dirty="0"/>
+              <a:t> 추가</a:t>
+            </a:r>
+            <a:endParaRPr lang="en-US" altLang="ko-KR" dirty="0"/>
+          </a:p>
+          <a:p>
+            <a:endParaRPr lang="en-US" altLang="ko-KR" dirty="0"/>
+          </a:p>
+          <a:p>
+            <a:r>
+              <a:rPr lang="ko-KR" altLang="en-US" dirty="0" err="1"/>
+              <a:t>인자줄여서</a:t>
+            </a:r>
+            <a:r>
+              <a:rPr lang="ko-KR" altLang="en-US" dirty="0"/>
+              <a:t> </a:t>
+            </a:r>
+            <a:r>
+              <a:rPr lang="en-US" altLang="ko-KR" dirty="0"/>
+              <a:t>60</a:t>
+            </a:r>
+            <a:r>
+              <a:rPr lang="ko-KR" altLang="en-US" dirty="0" err="1"/>
+              <a:t>개이하</a:t>
+            </a:r>
+            <a:r>
+              <a:rPr lang="en-US" altLang="ko-KR" dirty="0"/>
+              <a:t>, 32</a:t>
+            </a:r>
+            <a:r>
+              <a:rPr lang="ko-KR" altLang="en-US" dirty="0"/>
+              <a:t>개 </a:t>
+            </a:r>
+            <a:r>
+              <a:rPr lang="en-US" altLang="ko-KR" dirty="0"/>
+              <a:t>16</a:t>
+            </a:r>
+            <a:r>
+              <a:rPr lang="ko-KR" altLang="en-US" dirty="0"/>
+              <a:t>개</a:t>
+            </a:r>
+            <a:r>
+              <a:rPr lang="en-US" altLang="ko-KR" dirty="0"/>
+              <a:t>…</a:t>
+            </a:r>
+          </a:p>
+          <a:p>
+            <a:pPr marL="285750" indent="-285750">
+              <a:buFont typeface="Symbol" panose="05050102010706020507" pitchFamily="18" charset="2"/>
+              <a:buChar char="Þ"/>
+            </a:pPr>
+            <a:r>
+              <a:rPr lang="ko-KR" altLang="en-US" dirty="0"/>
+              <a:t>단순화</a:t>
+            </a:r>
+            <a:endParaRPr lang="en-US" altLang="ko-KR" dirty="0"/>
+          </a:p>
+          <a:p>
+            <a:pPr marL="0" indent="0">
+              <a:buNone/>
+            </a:pPr>
+            <a:endParaRPr lang="en-US" altLang="ko-KR" dirty="0"/>
+          </a:p>
+          <a:p>
+            <a:r>
+              <a:rPr lang="en-US" altLang="ko-KR" dirty="0"/>
+              <a:t>#</a:t>
+            </a:r>
+            <a:r>
+              <a:rPr lang="ko-KR" altLang="en-US" dirty="0" err="1"/>
+              <a:t>장고파이썬</a:t>
+            </a:r>
+            <a:r>
+              <a:rPr lang="en-US" altLang="ko-KR" dirty="0"/>
+              <a:t>, tr</a:t>
+            </a:r>
+          </a:p>
+          <a:p>
+            <a:r>
+              <a:rPr lang="en-US" altLang="ko-KR" dirty="0"/>
+              <a:t>#</a:t>
+            </a:r>
+            <a:r>
+              <a:rPr lang="ko-KR" altLang="en-US" dirty="0"/>
+              <a:t>라이브러리화 </a:t>
+            </a:r>
+            <a:endParaRPr lang="en-US" altLang="ko-KR" dirty="0"/>
+          </a:p>
+          <a:p>
+            <a:r>
+              <a:rPr lang="ko-KR" altLang="en-US" dirty="0"/>
+              <a:t>가상머신에서 실습</a:t>
+            </a:r>
+            <a:endParaRPr lang="en-US" altLang="ko-KR" dirty="0"/>
+          </a:p>
+          <a:p>
+            <a:r>
+              <a:rPr lang="ko-KR" altLang="en-US" dirty="0" err="1"/>
+              <a:t>마이데이터</a:t>
+            </a:r>
+            <a:endParaRPr lang="en-US" altLang="ko-KR" dirty="0"/>
+          </a:p>
+        </p:txBody>
+      </p:sp>
+    </p:spTree>
+    <p:extLst>
+      <p:ext uri="{BB962C8B-B14F-4D97-AF65-F5344CB8AC3E}">
+        <p14:creationId xmlns:p14="http://schemas.microsoft.com/office/powerpoint/2010/main" val="2708635234"/>
       </p:ext>
     </p:extLst>
   </p:cSld>
